--- a/GAE_Python_01_HelloWorld_TW.pptx
+++ b/GAE_Python_01_HelloWorld_TW.pptx
@@ -215,7 +215,7 @@
           <a:p>
             <a:fld id="{128E3A02-826D-44D4-92B0-6556EE41498B}" type="datetimeFigureOut">
               <a:rPr lang="en-US" altLang="zh-TW"/>
-              <a:t>11/20/2015</a:t>
+              <a:t>12/4/2015</a:t>
             </a:fld>
             <a:endParaRPr lang="zh-TW" altLang="en-US"/>
           </a:p>
@@ -1756,7 +1756,7 @@
             <a:fld id="{F511A5B9-989B-41DA-A45C-44BA81FB9FAB}" type="datetime1">
               <a:rPr lang="en-US" altLang="zh-TW" smtClean="0"/>
               <a:pPr/>
-              <a:t>11/20/2015</a:t>
+              <a:t>12/4/2015</a:t>
             </a:fld>
             <a:endParaRPr lang="en-US"/>
           </a:p>
@@ -4531,7 +4531,7 @@
             <a:fld id="{22EBE6D0-1DF2-4C85-8EF6-55538A05A1C3}" type="datetime1">
               <a:rPr lang="en-US" altLang="zh-TW" smtClean="0"/>
               <a:pPr/>
-              <a:t>11/20/2015</a:t>
+              <a:t>12/4/2015</a:t>
             </a:fld>
             <a:endParaRPr lang="en-US"/>
           </a:p>
@@ -7153,7 +7153,7 @@
             <a:fld id="{3CFA9121-F091-4CF9-B6F4-2D8F50802AC3}" type="datetime1">
               <a:rPr lang="en-US" altLang="zh-TW" smtClean="0"/>
               <a:pPr/>
-              <a:t>11/20/2015</a:t>
+              <a:t>12/4/2015</a:t>
             </a:fld>
             <a:endParaRPr lang="en-US"/>
           </a:p>
@@ -7462,7 +7462,7 @@
             <a:fld id="{A9774DD5-E66A-47DF-A95E-B19CC0FA90C5}" type="datetime1">
               <a:rPr lang="en-US" altLang="zh-TW" smtClean="0"/>
               <a:pPr/>
-              <a:t>11/20/2015</a:t>
+              <a:t>12/4/2015</a:t>
             </a:fld>
             <a:endParaRPr lang="en-US"/>
           </a:p>
@@ -10201,7 +10201,7 @@
             <a:fld id="{6E680AB9-2224-446D-B7CE-4048605E3151}" type="datetime1">
               <a:rPr lang="en-US" altLang="zh-TW" smtClean="0"/>
               <a:pPr/>
-              <a:t>11/20/2015</a:t>
+              <a:t>12/4/2015</a:t>
             </a:fld>
             <a:endParaRPr lang="en-US"/>
           </a:p>
@@ -13076,7 +13076,7 @@
             <a:fld id="{28AB82F8-1965-45A7-AB40-9806BF5E77BF}" type="datetime1">
               <a:rPr lang="en-US" altLang="zh-TW" smtClean="0"/>
               <a:pPr/>
-              <a:t>11/20/2015</a:t>
+              <a:t>12/4/2015</a:t>
             </a:fld>
             <a:endParaRPr lang="en-US"/>
           </a:p>
@@ -13263,7 +13263,7 @@
             <a:fld id="{ACF62B95-286E-4CAB-928A-4807E16A8292}" type="datetime1">
               <a:rPr lang="en-US" altLang="zh-TW" smtClean="0"/>
               <a:pPr/>
-              <a:t>11/20/2015</a:t>
+              <a:t>12/4/2015</a:t>
             </a:fld>
             <a:endParaRPr lang="en-US"/>
           </a:p>
@@ -13418,7 +13418,7 @@
             <a:fld id="{EC01A5C8-B0BB-462C-BBBA-F91FA9F63907}" type="datetime1">
               <a:rPr lang="en-US" altLang="zh-TW" smtClean="0"/>
               <a:pPr/>
-              <a:t>11/20/2015</a:t>
+              <a:t>12/4/2015</a:t>
             </a:fld>
             <a:endParaRPr lang="en-US"/>
           </a:p>
@@ -13776,7 +13776,7 @@
             <a:fld id="{4C000671-6C5C-4894-8FC4-0ED18EB0E78D}" type="datetime1">
               <a:rPr lang="en-US" altLang="zh-TW" smtClean="0"/>
               <a:pPr/>
-              <a:t>11/20/2015</a:t>
+              <a:t>12/4/2015</a:t>
             </a:fld>
             <a:endParaRPr lang="en-US"/>
           </a:p>
@@ -14102,7 +14102,7 @@
             <a:fld id="{157DF340-2EF7-499D-B325-DB13668672BE}" type="datetime1">
               <a:rPr lang="en-US" altLang="zh-TW" smtClean="0"/>
               <a:pPr/>
-              <a:t>11/20/2015</a:t>
+              <a:t>12/4/2015</a:t>
             </a:fld>
             <a:endParaRPr lang="en-US"/>
           </a:p>
@@ -14431,7 +14431,7 @@
           <a:p>
             <a:fld id="{76449007-C7F8-4A33-B6A5-3C821EA1E625}" type="datetime1">
               <a:rPr lang="en-US" altLang="zh-TW" smtClean="0"/>
-              <a:t>11/20/2015</a:t>
+              <a:t>12/4/2015</a:t>
             </a:fld>
             <a:endParaRPr lang="en-US"/>
           </a:p>
@@ -15572,12 +15572,12 @@
           <a:p>
             <a:pPr lvl="1"/>
             <a:r>
-              <a:rPr lang="zh-TW" altLang="en-US" dirty="0" smtClean="0">
+              <a:rPr lang="zh-TW" altLang="en-US" smtClean="0">
                 <a:solidFill>
                   <a:srgbClr val="000000"/>
                 </a:solidFill>
               </a:rPr>
-              <a:t>參考吃資料</a:t>
+              <a:t>參考資料</a:t>
             </a:r>
             <a:r>
               <a:rPr lang="en-US" altLang="zh-TW" dirty="0" smtClean="0">
@@ -16361,17 +16361,7 @@
                 <a:latin typeface="Courier New" panose="02070309020205020404" pitchFamily="49" charset="0"/>
                 <a:cs typeface="Courier New" panose="02070309020205020404" pitchFamily="49" charset="0"/>
               </a:rPr>
-              <a:t>: </a:t>
-            </a:r>
-            <a:r>
-              <a:rPr lang="en-US" altLang="zh-TW" sz="1900" dirty="0" smtClean="0">
-                <a:solidFill>
-                  <a:srgbClr val="000000"/>
-                </a:solidFill>
-                <a:latin typeface="Courier New" panose="02070309020205020404" pitchFamily="49" charset="0"/>
-                <a:cs typeface="Courier New" panose="02070309020205020404" pitchFamily="49" charset="0"/>
-              </a:rPr>
-              <a:t>false</a:t>
+              <a:t>: false</a:t>
             </a:r>
             <a:r>
               <a:rPr lang="en-US" altLang="zh-TW" sz="1900" dirty="0">
@@ -16635,8 +16625,65 @@
                 </a:solidFill>
                 <a:cs typeface="Arial"/>
               </a:rPr>
-              <a:t>行</a:t>
-            </a:r>
+              <a:t>行：</a:t>
+            </a:r>
+            <a:r>
+              <a:rPr lang="zh-TW" altLang="en-US" dirty="0" smtClean="0">
+                <a:solidFill>
+                  <a:srgbClr val="000000"/>
+                </a:solidFill>
+                <a:cs typeface="Arial"/>
+              </a:rPr>
+              <a:t>應用程式的版本</a:t>
+            </a:r>
+            <a:r>
+              <a:rPr lang="en-US" altLang="zh-TW" dirty="0" smtClean="0">
+                <a:solidFill>
+                  <a:srgbClr val="000000"/>
+                </a:solidFill>
+                <a:cs typeface="Arial"/>
+              </a:rPr>
+              <a:t>(Google</a:t>
+            </a:r>
+            <a:r>
+              <a:rPr lang="zh-TW" altLang="en-US" dirty="0" smtClean="0">
+                <a:solidFill>
+                  <a:srgbClr val="000000"/>
+                </a:solidFill>
+                <a:cs typeface="Arial"/>
+              </a:rPr>
+              <a:t>會在</a:t>
+            </a:r>
+            <a:r>
+              <a:rPr lang="en-US" altLang="zh-TW" dirty="0" smtClean="0">
+                <a:solidFill>
+                  <a:srgbClr val="000000"/>
+                </a:solidFill>
+                <a:cs typeface="Arial"/>
+              </a:rPr>
+              <a:t>GCP</a:t>
+            </a:r>
+            <a:r>
+              <a:rPr lang="zh-TW" altLang="en-US" dirty="0" smtClean="0">
+                <a:solidFill>
+                  <a:srgbClr val="000000"/>
+                </a:solidFill>
+                <a:cs typeface="Arial"/>
+              </a:rPr>
+              <a:t>尚保留每一個版本的副本</a:t>
+            </a:r>
+            <a:r>
+              <a:rPr lang="en-US" altLang="zh-TW" dirty="0" smtClean="0">
+                <a:solidFill>
+                  <a:srgbClr val="000000"/>
+                </a:solidFill>
+                <a:cs typeface="Arial"/>
+              </a:rPr>
+              <a:t>)</a:t>
+            </a:r>
+          </a:p>
+          <a:p>
+            <a:pPr lvl="1"/>
             <a:r>
               <a:rPr lang="zh-TW" altLang="en-US" b="1" dirty="0" smtClean="0">
                 <a:solidFill>
@@ -16644,7 +16691,25 @@
                 </a:solidFill>
                 <a:cs typeface="Arial"/>
               </a:rPr>
-              <a:t>：</a:t>
+              <a:t>第</a:t>
+            </a:r>
+            <a:r>
+              <a:rPr lang="en-US" altLang="zh-TW" b="1" dirty="0" smtClean="0">
+                <a:solidFill>
+                  <a:srgbClr val="000000"/>
+                </a:solidFill>
+                <a:cs typeface="Arial"/>
+              </a:rPr>
+              <a:t>3</a:t>
+            </a:r>
+            <a:r>
+              <a:rPr lang="zh-TW" altLang="en-US" b="1" dirty="0" smtClean="0">
+                <a:solidFill>
+                  <a:srgbClr val="000000"/>
+                </a:solidFill>
+                <a:cs typeface="Arial"/>
+              </a:rPr>
+              <a:t>行：</a:t>
             </a:r>
             <a:r>
               <a:rPr lang="zh-TW" altLang="en-US" dirty="0" smtClean="0">
@@ -16653,7 +16718,34 @@
                 </a:solidFill>
                 <a:cs typeface="Arial"/>
               </a:rPr>
-              <a:t>應用程式</a:t>
+              <a:t>宣告使用</a:t>
+            </a:r>
+            <a:r>
+              <a:rPr lang="en-US" altLang="zh-TW" dirty="0" smtClean="0">
+                <a:solidFill>
+                  <a:srgbClr val="000000"/>
+                </a:solidFill>
+                <a:cs typeface="Arial"/>
+              </a:rPr>
+              <a:t>python2.7</a:t>
+            </a:r>
+            <a:r>
+              <a:rPr lang="zh-TW" altLang="en-US" dirty="0">
+                <a:solidFill>
+                  <a:srgbClr val="000000"/>
+                </a:solidFill>
+                <a:cs typeface="Arial"/>
+              </a:rPr>
+              <a:t> </a:t>
+            </a:r>
+            <a:r>
+              <a:rPr lang="en-US" altLang="zh-TW" dirty="0" smtClean="0">
+                <a:solidFill>
+                  <a:srgbClr val="000000"/>
+                </a:solidFill>
+                <a:cs typeface="Arial"/>
+              </a:rPr>
+              <a:t>(</a:t>
             </a:r>
             <a:r>
               <a:rPr lang="zh-TW" altLang="en-US" dirty="0" smtClean="0">
@@ -16662,7 +16754,7 @@
                 </a:solidFill>
                 <a:cs typeface="Arial"/>
               </a:rPr>
-              <a:t>的版本</a:t>
+              <a:t>目前只支援</a:t>
             </a:r>
             <a:r>
               <a:rPr lang="en-US" altLang="zh-TW" dirty="0" smtClean="0">
@@ -16671,7 +16763,37 @@
                 </a:solidFill>
                 <a:cs typeface="Arial"/>
               </a:rPr>
-              <a:t>(Google</a:t>
+              <a:t>python 2.7)</a:t>
+            </a:r>
+          </a:p>
+          <a:p>
+            <a:pPr lvl="1"/>
+            <a:r>
+              <a:rPr lang="zh-TW" altLang="en-US" b="1" dirty="0" smtClean="0">
+                <a:solidFill>
+                  <a:srgbClr val="000000"/>
+                </a:solidFill>
+                <a:cs typeface="Arial"/>
+              </a:rPr>
+              <a:t>第</a:t>
+            </a:r>
+            <a:r>
+              <a:rPr lang="en-US" altLang="zh-TW" b="1" dirty="0" smtClean="0">
+                <a:solidFill>
+                  <a:srgbClr val="000000"/>
+                </a:solidFill>
+                <a:cs typeface="Arial"/>
+              </a:rPr>
+              <a:t>4</a:t>
+            </a:r>
+            <a:r>
+              <a:rPr lang="zh-TW" altLang="en-US" b="1" dirty="0" smtClean="0">
+                <a:solidFill>
+                  <a:srgbClr val="000000"/>
+                </a:solidFill>
+                <a:cs typeface="Arial"/>
+              </a:rPr>
+              <a:t>行：</a:t>
             </a:r>
             <a:r>
               <a:rPr lang="zh-TW" altLang="en-US" dirty="0" smtClean="0">
@@ -16680,7 +16802,7 @@
                 </a:solidFill>
                 <a:cs typeface="Arial"/>
               </a:rPr>
-              <a:t>會在</a:t>
+              <a:t>宣告使用第</a:t>
             </a:r>
             <a:r>
               <a:rPr lang="en-US" altLang="zh-TW" dirty="0" smtClean="0">
@@ -16689,7 +16811,7 @@
                 </a:solidFill>
                 <a:cs typeface="Arial"/>
               </a:rPr>
-              <a:t>GCP</a:t>
+              <a:t>1</a:t>
             </a:r>
             <a:r>
               <a:rPr lang="zh-TW" altLang="en-US" dirty="0" smtClean="0">
@@ -16698,7 +16820,7 @@
                 </a:solidFill>
                 <a:cs typeface="Arial"/>
               </a:rPr>
-              <a:t>尚保留每一個版本的副本</a:t>
+              <a:t>版</a:t>
             </a:r>
             <a:r>
               <a:rPr lang="en-US" altLang="zh-TW" dirty="0" smtClean="0">
@@ -16707,6 +16829,60 @@
                 </a:solidFill>
                 <a:cs typeface="Arial"/>
               </a:rPr>
+              <a:t>SDK</a:t>
+            </a:r>
+            <a:r>
+              <a:rPr lang="zh-TW" altLang="en-US" dirty="0" smtClean="0">
+                <a:solidFill>
+                  <a:srgbClr val="000000"/>
+                </a:solidFill>
+                <a:cs typeface="Arial"/>
+              </a:rPr>
+              <a:t> </a:t>
+            </a:r>
+            <a:r>
+              <a:rPr lang="en-US" altLang="zh-TW" dirty="0" smtClean="0">
+                <a:solidFill>
+                  <a:srgbClr val="000000"/>
+                </a:solidFill>
+                <a:cs typeface="Arial"/>
+              </a:rPr>
+              <a:t>(</a:t>
+            </a:r>
+            <a:r>
+              <a:rPr lang="zh-TW" altLang="en-US" dirty="0" smtClean="0">
+                <a:solidFill>
+                  <a:srgbClr val="000000"/>
+                </a:solidFill>
+                <a:cs typeface="Arial"/>
+              </a:rPr>
+              <a:t>目前只有第</a:t>
+            </a:r>
+            <a:r>
+              <a:rPr lang="en-US" altLang="zh-TW" dirty="0" smtClean="0">
+                <a:solidFill>
+                  <a:srgbClr val="000000"/>
+                </a:solidFill>
+                <a:cs typeface="Arial"/>
+              </a:rPr>
+              <a:t>1</a:t>
+            </a:r>
+            <a:r>
+              <a:rPr lang="zh-TW" altLang="en-US" dirty="0" smtClean="0">
+                <a:solidFill>
+                  <a:srgbClr val="000000"/>
+                </a:solidFill>
+                <a:cs typeface="Arial"/>
+              </a:rPr>
+              <a:t>版</a:t>
+            </a:r>
+            <a:r>
+              <a:rPr lang="en-US" altLang="zh-TW" dirty="0" smtClean="0">
+                <a:solidFill>
+                  <a:srgbClr val="000000"/>
+                </a:solidFill>
+                <a:cs typeface="Arial"/>
+              </a:rPr>
               <a:t>)</a:t>
             </a:r>
           </a:p>
@@ -16722,13 +16898,13 @@
               <a:t>第</a:t>
             </a:r>
             <a:r>
-              <a:rPr lang="en-US" altLang="zh-TW" b="1" dirty="0" smtClean="0">
+              <a:rPr lang="en-US" altLang="zh-TW" b="1" dirty="0">
                 <a:solidFill>
                   <a:srgbClr val="000000"/>
                 </a:solidFill>
                 <a:cs typeface="Arial"/>
               </a:rPr>
-              <a:t>3</a:t>
+              <a:t>5</a:t>
             </a:r>
             <a:r>
               <a:rPr lang="zh-TW" altLang="en-US" b="1" dirty="0" smtClean="0">
@@ -16738,219 +16914,6 @@
                 <a:cs typeface="Arial"/>
               </a:rPr>
               <a:t>行：</a:t>
-            </a:r>
-            <a:r>
-              <a:rPr lang="zh-TW" altLang="en-US" dirty="0" smtClean="0">
-                <a:solidFill>
-                  <a:srgbClr val="000000"/>
-                </a:solidFill>
-                <a:cs typeface="Arial"/>
-              </a:rPr>
-              <a:t>宣告使用</a:t>
-            </a:r>
-            <a:r>
-              <a:rPr lang="en-US" altLang="zh-TW" dirty="0" smtClean="0">
-                <a:solidFill>
-                  <a:srgbClr val="000000"/>
-                </a:solidFill>
-                <a:cs typeface="Arial"/>
-              </a:rPr>
-              <a:t>python2.7</a:t>
-            </a:r>
-            <a:r>
-              <a:rPr lang="zh-TW" altLang="en-US" dirty="0">
-                <a:solidFill>
-                  <a:srgbClr val="000000"/>
-                </a:solidFill>
-                <a:cs typeface="Arial"/>
-              </a:rPr>
-              <a:t> </a:t>
-            </a:r>
-            <a:r>
-              <a:rPr lang="en-US" altLang="zh-TW" dirty="0" smtClean="0">
-                <a:solidFill>
-                  <a:srgbClr val="000000"/>
-                </a:solidFill>
-                <a:cs typeface="Arial"/>
-              </a:rPr>
-              <a:t>(</a:t>
-            </a:r>
-            <a:r>
-              <a:rPr lang="zh-TW" altLang="en-US" dirty="0" smtClean="0">
-                <a:solidFill>
-                  <a:srgbClr val="000000"/>
-                </a:solidFill>
-                <a:cs typeface="Arial"/>
-              </a:rPr>
-              <a:t>目前只支援</a:t>
-            </a:r>
-            <a:r>
-              <a:rPr lang="en-US" altLang="zh-TW" dirty="0" smtClean="0">
-                <a:solidFill>
-                  <a:srgbClr val="000000"/>
-                </a:solidFill>
-                <a:cs typeface="Arial"/>
-              </a:rPr>
-              <a:t>python 2.7)</a:t>
-            </a:r>
-          </a:p>
-          <a:p>
-            <a:pPr lvl="1"/>
-            <a:r>
-              <a:rPr lang="zh-TW" altLang="en-US" b="1" dirty="0" smtClean="0">
-                <a:solidFill>
-                  <a:srgbClr val="000000"/>
-                </a:solidFill>
-                <a:cs typeface="Arial"/>
-              </a:rPr>
-              <a:t>第</a:t>
-            </a:r>
-            <a:r>
-              <a:rPr lang="en-US" altLang="zh-TW" b="1" dirty="0" smtClean="0">
-                <a:solidFill>
-                  <a:srgbClr val="000000"/>
-                </a:solidFill>
-                <a:cs typeface="Arial"/>
-              </a:rPr>
-              <a:t>4</a:t>
-            </a:r>
-            <a:r>
-              <a:rPr lang="zh-TW" altLang="en-US" b="1" dirty="0" smtClean="0">
-                <a:solidFill>
-                  <a:srgbClr val="000000"/>
-                </a:solidFill>
-                <a:cs typeface="Arial"/>
-              </a:rPr>
-              <a:t>行：</a:t>
-            </a:r>
-            <a:r>
-              <a:rPr lang="zh-TW" altLang="en-US" dirty="0" smtClean="0">
-                <a:solidFill>
-                  <a:srgbClr val="000000"/>
-                </a:solidFill>
-                <a:cs typeface="Arial"/>
-              </a:rPr>
-              <a:t>宣告使用第</a:t>
-            </a:r>
-            <a:r>
-              <a:rPr lang="en-US" altLang="zh-TW" dirty="0" smtClean="0">
-                <a:solidFill>
-                  <a:srgbClr val="000000"/>
-                </a:solidFill>
-                <a:cs typeface="Arial"/>
-              </a:rPr>
-              <a:t>1</a:t>
-            </a:r>
-            <a:r>
-              <a:rPr lang="zh-TW" altLang="en-US" dirty="0" smtClean="0">
-                <a:solidFill>
-                  <a:srgbClr val="000000"/>
-                </a:solidFill>
-                <a:cs typeface="Arial"/>
-              </a:rPr>
-              <a:t>版</a:t>
-            </a:r>
-            <a:r>
-              <a:rPr lang="en-US" altLang="zh-TW" dirty="0" smtClean="0">
-                <a:solidFill>
-                  <a:srgbClr val="000000"/>
-                </a:solidFill>
-                <a:cs typeface="Arial"/>
-              </a:rPr>
-              <a:t>SDK</a:t>
-            </a:r>
-            <a:r>
-              <a:rPr lang="zh-TW" altLang="en-US" dirty="0" smtClean="0">
-                <a:solidFill>
-                  <a:srgbClr val="000000"/>
-                </a:solidFill>
-                <a:cs typeface="Arial"/>
-              </a:rPr>
-              <a:t> </a:t>
-            </a:r>
-            <a:r>
-              <a:rPr lang="en-US" altLang="zh-TW" dirty="0" smtClean="0">
-                <a:solidFill>
-                  <a:srgbClr val="000000"/>
-                </a:solidFill>
-                <a:cs typeface="Arial"/>
-              </a:rPr>
-              <a:t>(</a:t>
-            </a:r>
-            <a:r>
-              <a:rPr lang="zh-TW" altLang="en-US" dirty="0" smtClean="0">
-                <a:solidFill>
-                  <a:srgbClr val="000000"/>
-                </a:solidFill>
-                <a:cs typeface="Arial"/>
-              </a:rPr>
-              <a:t>目前只有第</a:t>
-            </a:r>
-            <a:r>
-              <a:rPr lang="en-US" altLang="zh-TW" dirty="0" smtClean="0">
-                <a:solidFill>
-                  <a:srgbClr val="000000"/>
-                </a:solidFill>
-                <a:cs typeface="Arial"/>
-              </a:rPr>
-              <a:t>1</a:t>
-            </a:r>
-            <a:r>
-              <a:rPr lang="zh-TW" altLang="en-US" dirty="0" smtClean="0">
-                <a:solidFill>
-                  <a:srgbClr val="000000"/>
-                </a:solidFill>
-                <a:cs typeface="Arial"/>
-              </a:rPr>
-              <a:t>版</a:t>
-            </a:r>
-            <a:r>
-              <a:rPr lang="en-US" altLang="zh-TW" dirty="0" smtClean="0">
-                <a:solidFill>
-                  <a:srgbClr val="000000"/>
-                </a:solidFill>
-                <a:cs typeface="Arial"/>
-              </a:rPr>
-              <a:t>)</a:t>
-            </a:r>
-          </a:p>
-          <a:p>
-            <a:pPr lvl="1"/>
-            <a:r>
-              <a:rPr lang="zh-TW" altLang="en-US" b="1" dirty="0" smtClean="0">
-                <a:solidFill>
-                  <a:srgbClr val="000000"/>
-                </a:solidFill>
-                <a:cs typeface="Arial"/>
-              </a:rPr>
-              <a:t>第</a:t>
-            </a:r>
-            <a:r>
-              <a:rPr lang="en-US" altLang="zh-TW" b="1" dirty="0">
-                <a:solidFill>
-                  <a:srgbClr val="000000"/>
-                </a:solidFill>
-                <a:cs typeface="Arial"/>
-              </a:rPr>
-              <a:t>5</a:t>
-            </a:r>
-            <a:r>
-              <a:rPr lang="zh-TW" altLang="en-US" b="1" dirty="0" smtClean="0">
-                <a:solidFill>
-                  <a:srgbClr val="000000"/>
-                </a:solidFill>
-                <a:cs typeface="Arial"/>
-              </a:rPr>
-              <a:t>行</a:t>
-            </a:r>
-            <a:r>
-              <a:rPr lang="zh-TW" altLang="en-US" b="1" dirty="0" smtClean="0">
-                <a:solidFill>
-                  <a:srgbClr val="000000"/>
-                </a:solidFill>
-                <a:cs typeface="Arial"/>
-              </a:rPr>
-              <a:t>：</a:t>
             </a:r>
             <a:r>
               <a:rPr lang="zh-TW" altLang="en-US" dirty="0" smtClean="0">
@@ -17041,16 +17004,7 @@
                 </a:solidFill>
                 <a:cs typeface="Courier New" panose="02070309020205020404" pitchFamily="49" charset="0"/>
               </a:rPr>
-              <a:t>對應</a:t>
-            </a:r>
-            <a:r>
-              <a:rPr lang="zh-TW" altLang="en-US" dirty="0" smtClean="0">
-                <a:solidFill>
-                  <a:srgbClr val="000000"/>
-                </a:solidFill>
-                <a:cs typeface="Courier New" panose="02070309020205020404" pitchFamily="49" charset="0"/>
-              </a:rPr>
-              <a:t>到</a:t>
+              <a:t>對應到</a:t>
             </a:r>
             <a:r>
               <a:rPr lang="en-US" altLang="zh-TW" dirty="0" smtClean="0">
@@ -17509,17 +17463,7 @@
                 <a:latin typeface="Courier New" panose="02070309020205020404" pitchFamily="49" charset="0"/>
                 <a:cs typeface="Courier New" panose="02070309020205020404" pitchFamily="49" charset="0"/>
               </a:rPr>
-              <a:t>Google App Engine</a:t>
-            </a:r>
-            <a:r>
-              <a:rPr lang="en-US" altLang="zh-TW" sz="1900" dirty="0" smtClean="0">
-                <a:solidFill>
-                  <a:srgbClr val="000000"/>
-                </a:solidFill>
-                <a:latin typeface="Courier New" panose="02070309020205020404" pitchFamily="49" charset="0"/>
-                <a:cs typeface="Courier New" panose="02070309020205020404" pitchFamily="49" charset="0"/>
-              </a:rPr>
-              <a:t>')</a:t>
+              <a:t>Google App Engine')</a:t>
             </a:r>
             <a:endParaRPr lang="en-US" altLang="zh-TW" sz="1900" dirty="0" smtClean="0">
               <a:latin typeface="Courier New" panose="02070309020205020404" pitchFamily="49" charset="0"/>
@@ -18109,13 +18053,7 @@
               <a:rPr lang="zh-TW" altLang="en-US" dirty="0" smtClean="0">
                 <a:cs typeface="Courier New" panose="02070309020205020404" pitchFamily="49" charset="0"/>
               </a:rPr>
-              <a:t>對應</a:t>
-            </a:r>
-            <a:r>
-              <a:rPr lang="zh-TW" altLang="en-US" dirty="0" smtClean="0">
-                <a:cs typeface="Courier New" panose="02070309020205020404" pitchFamily="49" charset="0"/>
-              </a:rPr>
-              <a:t>到</a:t>
+              <a:t>對應到</a:t>
             </a:r>
             <a:r>
               <a:rPr lang="en-US" altLang="zh-TW" dirty="0" err="1" smtClean="0">
@@ -21485,11 +21423,7 @@
           <a:p>
             <a:r>
               <a:rPr lang="zh-TW" altLang="en-US" sz="2800" dirty="0" smtClean="0"/>
-              <a:t>如果</a:t>
-            </a:r>
-            <a:r>
-              <a:rPr lang="zh-TW" altLang="en-US" sz="2800" dirty="0" smtClean="0"/>
-              <a:t>想要架設一個網站需要準備哪些東西</a:t>
+              <a:t>如果想要架設一個網站需要準備哪些東西</a:t>
             </a:r>
             <a:r>
               <a:rPr lang="en-US" altLang="zh-TW" sz="2800" dirty="0" smtClean="0"/>
@@ -21932,11 +21866,7 @@
           <a:p>
             <a:r>
               <a:rPr lang="zh-TW" altLang="en-US" dirty="0" smtClean="0"/>
-              <a:t>平台</a:t>
-            </a:r>
-            <a:r>
-              <a:rPr lang="zh-TW" altLang="en-US" dirty="0" smtClean="0"/>
-              <a:t>即服務</a:t>
+              <a:t>平台即服務</a:t>
             </a:r>
             <a:r>
               <a:rPr lang="en-US" altLang="zh-TW" dirty="0" smtClean="0"/>
@@ -22053,11 +21983,7 @@
           <a:p>
             <a:r>
               <a:rPr lang="zh-TW" altLang="en-US" dirty="0" smtClean="0"/>
-              <a:t>架構</a:t>
-            </a:r>
-            <a:r>
-              <a:rPr lang="zh-TW" altLang="en-US" dirty="0" smtClean="0"/>
-              <a:t>即服務</a:t>
+              <a:t>架構即服務</a:t>
             </a:r>
             <a:r>
               <a:rPr lang="en-US" altLang="zh-TW" dirty="0" smtClean="0"/>
@@ -22288,335 +22214,291 @@
               <a:rPr lang="en-US" altLang="zh-TW" dirty="0" smtClean="0">
                 <a:ea typeface="微軟正黑體" panose="020B0604030504040204" pitchFamily="34" charset="-120"/>
               </a:rPr>
-              <a:t>Platform (GCP</a:t>
+              <a:t>Platform (GCP)</a:t>
+            </a:r>
+            <a:r>
+              <a:rPr lang="zh-TW" altLang="en-US" dirty="0" smtClean="0"/>
+              <a:t>提供各種</a:t>
+            </a:r>
+            <a:r>
+              <a:rPr lang="zh-TW" altLang="en-US" dirty="0" smtClean="0">
+                <a:ea typeface="微軟正黑體" panose="020B0604030504040204" pitchFamily="34" charset="-120"/>
+              </a:rPr>
+              <a:t>雲端運算服務，其中</a:t>
+            </a:r>
+            <a:endParaRPr lang="en-US" altLang="zh-TW" dirty="0">
+              <a:ea typeface="微軟正黑體" panose="020B0604030504040204" pitchFamily="34" charset="-120"/>
+            </a:endParaRPr>
+          </a:p>
+          <a:p>
+            <a:pPr lvl="1"/>
+            <a:r>
+              <a:rPr lang="en-US" altLang="zh-TW" b="1" u="sng" dirty="0">
+                <a:solidFill>
+                  <a:srgbClr val="FF0000"/>
+                </a:solidFill>
+                <a:ea typeface="微軟正黑體" panose="020B0604030504040204" pitchFamily="34" charset="-120"/>
+              </a:rPr>
+              <a:t>App </a:t>
+            </a:r>
+            <a:r>
+              <a:rPr lang="en-US" altLang="zh-TW" b="1" u="sng" dirty="0" smtClean="0">
+                <a:solidFill>
+                  <a:srgbClr val="FF0000"/>
+                </a:solidFill>
+                <a:ea typeface="微軟正黑體" panose="020B0604030504040204" pitchFamily="34" charset="-120"/>
+              </a:rPr>
+              <a:t>Engine</a:t>
+            </a:r>
+            <a:r>
+              <a:rPr lang="zh-TW" altLang="en-US" dirty="0" smtClean="0">
+                <a:ea typeface="微軟正黑體" panose="020B0604030504040204" pitchFamily="34" charset="-120"/>
+              </a:rPr>
+              <a:t>提供</a:t>
             </a:r>
             <a:r>
               <a:rPr lang="en-US" altLang="zh-TW" dirty="0" smtClean="0">
                 <a:ea typeface="微軟正黑體" panose="020B0604030504040204" pitchFamily="34" charset="-120"/>
               </a:rPr>
-              <a:t>)</a:t>
-            </a:r>
-            <a:r>
-              <a:rPr lang="zh-TW" altLang="en-US" dirty="0" smtClean="0"/>
-              <a:t>提供各種</a:t>
+              <a:t>PaaS</a:t>
             </a:r>
             <a:r>
               <a:rPr lang="zh-TW" altLang="en-US" dirty="0" smtClean="0">
                 <a:ea typeface="微軟正黑體" panose="020B0604030504040204" pitchFamily="34" charset="-120"/>
               </a:rPr>
-              <a:t>雲端運算服務，</a:t>
+              <a:t>服務</a:t>
+            </a:r>
+            <a:endParaRPr lang="en-US" altLang="zh-TW" dirty="0">
+              <a:ea typeface="微軟正黑體" panose="020B0604030504040204" pitchFamily="34" charset="-120"/>
+            </a:endParaRPr>
+          </a:p>
+          <a:p>
+            <a:pPr lvl="1"/>
+            <a:r>
+              <a:rPr lang="en-US" altLang="zh-TW" u="sng" dirty="0">
+                <a:ea typeface="微軟正黑體" panose="020B0604030504040204" pitchFamily="34" charset="-120"/>
+              </a:rPr>
+              <a:t>Compute </a:t>
+            </a:r>
+            <a:r>
+              <a:rPr lang="en-US" altLang="zh-TW" u="sng" dirty="0" smtClean="0">
+                <a:ea typeface="微軟正黑體" panose="020B0604030504040204" pitchFamily="34" charset="-120"/>
+              </a:rPr>
+              <a:t>Engine</a:t>
             </a:r>
             <a:r>
               <a:rPr lang="zh-TW" altLang="en-US" dirty="0" smtClean="0">
                 <a:ea typeface="微軟正黑體" panose="020B0604030504040204" pitchFamily="34" charset="-120"/>
               </a:rPr>
-              <a:t>其中</a:t>
+              <a:t>提供</a:t>
+            </a:r>
+            <a:r>
+              <a:rPr lang="en-US" altLang="zh-TW" dirty="0" smtClean="0">
+                <a:ea typeface="微軟正黑體" panose="020B0604030504040204" pitchFamily="34" charset="-120"/>
+              </a:rPr>
+              <a:t>IaaS</a:t>
+            </a:r>
+            <a:r>
+              <a:rPr lang="zh-TW" altLang="en-US" dirty="0" smtClean="0">
+                <a:ea typeface="微軟正黑體" panose="020B0604030504040204" pitchFamily="34" charset="-120"/>
+              </a:rPr>
+              <a:t>服務</a:t>
+            </a:r>
+            <a:endParaRPr lang="pt-BR" altLang="zh-TW" dirty="0" smtClean="0">
+              <a:ea typeface="微軟正黑體" panose="020B0604030504040204" pitchFamily="34" charset="-120"/>
+            </a:endParaRPr>
+          </a:p>
+          <a:p>
+            <a:pPr lvl="1"/>
+            <a:r>
+              <a:rPr lang="pt-BR" altLang="zh-TW" u="sng" dirty="0" smtClean="0">
+                <a:ea typeface="微軟正黑體" panose="020B0604030504040204" pitchFamily="34" charset="-120"/>
+              </a:rPr>
+              <a:t>Container Engine</a:t>
+            </a:r>
+            <a:r>
+              <a:rPr lang="zh-TW" altLang="en-US" dirty="0" smtClean="0">
+                <a:ea typeface="微軟正黑體" panose="020B0604030504040204" pitchFamily="34" charset="-120"/>
+              </a:rPr>
+              <a:t>允許</a:t>
+            </a:r>
+            <a:r>
+              <a:rPr lang="en-US" altLang="zh-TW" dirty="0" smtClean="0">
+                <a:ea typeface="微軟正黑體" panose="020B0604030504040204" pitchFamily="34" charset="-120"/>
+              </a:rPr>
+              <a:t>Docker</a:t>
+            </a:r>
+            <a:r>
+              <a:rPr lang="zh-TW" altLang="en-US" dirty="0" smtClean="0">
+                <a:ea typeface="微軟正黑體" panose="020B0604030504040204" pitchFamily="34" charset="-120"/>
+              </a:rPr>
+              <a:t>容器</a:t>
+            </a:r>
+            <a:r>
+              <a:rPr lang="en-US" altLang="zh-TW" dirty="0"/>
+              <a:t>(</a:t>
+            </a:r>
+            <a:r>
+              <a:rPr lang="zh-TW" altLang="en-US" dirty="0"/>
+              <a:t>輕</a:t>
+            </a:r>
+            <a:r>
+              <a:rPr lang="zh-TW" altLang="en-US" dirty="0" smtClean="0"/>
+              <a:t>量化虛擬技術</a:t>
+            </a:r>
+            <a:r>
+              <a:rPr lang="en-US" altLang="zh-TW" dirty="0" smtClean="0"/>
+              <a:t>)</a:t>
+            </a:r>
+            <a:r>
+              <a:rPr lang="zh-TW" altLang="en-US" dirty="0" smtClean="0"/>
+              <a:t>在</a:t>
+            </a:r>
+            <a:r>
+              <a:rPr lang="en-US" altLang="zh-TW" dirty="0" smtClean="0">
+                <a:ea typeface="微軟正黑體" panose="020B0604030504040204" pitchFamily="34" charset="-120"/>
+              </a:rPr>
+              <a:t>GCP</a:t>
+            </a:r>
+            <a:r>
+              <a:rPr lang="zh-TW" altLang="en-US" dirty="0" smtClean="0">
+                <a:ea typeface="微軟正黑體" panose="020B0604030504040204" pitchFamily="34" charset="-120"/>
+              </a:rPr>
+              <a:t>上執行</a:t>
+            </a:r>
+            <a:endParaRPr lang="pt-BR" altLang="zh-TW" dirty="0">
+              <a:ea typeface="微軟正黑體" panose="020B0604030504040204" pitchFamily="34" charset="-120"/>
+            </a:endParaRPr>
+          </a:p>
+          <a:p>
+            <a:pPr lvl="1"/>
+            <a:r>
+              <a:rPr lang="zh-TW" altLang="en-US" dirty="0" smtClean="0">
+                <a:ea typeface="微軟正黑體" panose="020B0604030504040204" pitchFamily="34" charset="-120"/>
+              </a:rPr>
+              <a:t>其他服務，包含</a:t>
+            </a:r>
+            <a:endParaRPr lang="en-US" altLang="zh-TW" dirty="0" smtClean="0">
+              <a:ea typeface="微軟正黑體" panose="020B0604030504040204" pitchFamily="34" charset="-120"/>
+            </a:endParaRPr>
+          </a:p>
+          <a:p>
+            <a:pPr lvl="2"/>
+            <a:r>
+              <a:rPr lang="zh-TW" altLang="en-US" dirty="0" smtClean="0"/>
+              <a:t>資料儲存：</a:t>
+            </a:r>
+            <a:r>
+              <a:rPr lang="en-US" altLang="zh-TW" dirty="0" smtClean="0">
+                <a:ea typeface="微軟正黑體" panose="020B0604030504040204" pitchFamily="34" charset="-120"/>
+              </a:rPr>
+              <a:t>Cloud SQL</a:t>
+            </a:r>
+            <a:r>
+              <a:rPr lang="zh-TW" altLang="en-US" dirty="0" smtClean="0">
+                <a:ea typeface="微軟正黑體" panose="020B0604030504040204" pitchFamily="34" charset="-120"/>
+              </a:rPr>
+              <a:t>、</a:t>
+            </a:r>
+            <a:r>
+              <a:rPr lang="en-US" altLang="zh-TW" dirty="0" smtClean="0">
+                <a:ea typeface="微軟正黑體" panose="020B0604030504040204" pitchFamily="34" charset="-120"/>
+              </a:rPr>
+              <a:t>Cloud Storage</a:t>
+            </a:r>
+            <a:r>
+              <a:rPr lang="zh-TW" altLang="en-US" dirty="0" smtClean="0">
+                <a:ea typeface="微軟正黑體" panose="020B0604030504040204" pitchFamily="34" charset="-120"/>
+              </a:rPr>
+              <a:t>、</a:t>
+            </a:r>
+            <a:r>
+              <a:rPr lang="en-US" altLang="zh-TW" dirty="0" smtClean="0">
+                <a:ea typeface="微軟正黑體" panose="020B0604030504040204" pitchFamily="34" charset="-120"/>
+              </a:rPr>
+              <a:t>Blob</a:t>
+            </a:r>
+            <a:r>
+              <a:rPr lang="zh-TW" altLang="en-US" dirty="0" smtClean="0">
+                <a:ea typeface="微軟正黑體" panose="020B0604030504040204" pitchFamily="34" charset="-120"/>
+              </a:rPr>
+              <a:t>、或</a:t>
+            </a:r>
+            <a:r>
+              <a:rPr lang="en-US" altLang="zh-TW" dirty="0" smtClean="0">
+                <a:ea typeface="微軟正黑體" panose="020B0604030504040204" pitchFamily="34" charset="-120"/>
+              </a:rPr>
+              <a:t>Cloud </a:t>
+            </a:r>
+            <a:r>
+              <a:rPr lang="en-US" altLang="zh-TW" dirty="0" err="1" smtClean="0">
+                <a:ea typeface="微軟正黑體" panose="020B0604030504040204" pitchFamily="34" charset="-120"/>
+              </a:rPr>
+              <a:t>Datastore</a:t>
+            </a:r>
+            <a:r>
+              <a:rPr lang="zh-TW" altLang="en-US" dirty="0" smtClean="0">
+                <a:ea typeface="微軟正黑體" panose="020B0604030504040204" pitchFamily="34" charset="-120"/>
+              </a:rPr>
+              <a:t>等</a:t>
             </a:r>
             <a:endParaRPr lang="en-US" altLang="zh-TW" dirty="0">
               <a:ea typeface="微軟正黑體" panose="020B0604030504040204" pitchFamily="34" charset="-120"/>
             </a:endParaRPr>
           </a:p>
           <a:p>
-            <a:pPr lvl="1"/>
-            <a:r>
-              <a:rPr lang="en-US" altLang="zh-TW" b="1" u="sng" dirty="0">
-                <a:solidFill>
-                  <a:srgbClr val="FF0000"/>
-                </a:solidFill>
-                <a:ea typeface="微軟正黑體" panose="020B0604030504040204" pitchFamily="34" charset="-120"/>
-              </a:rPr>
-              <a:t>App </a:t>
-            </a:r>
-            <a:r>
-              <a:rPr lang="en-US" altLang="zh-TW" b="1" u="sng" dirty="0" smtClean="0">
-                <a:solidFill>
-                  <a:srgbClr val="FF0000"/>
-                </a:solidFill>
-                <a:ea typeface="微軟正黑體" panose="020B0604030504040204" pitchFamily="34" charset="-120"/>
-              </a:rPr>
-              <a:t>Engine</a:t>
-            </a:r>
+            <a:pPr lvl="2"/>
             <a:r>
               <a:rPr lang="zh-TW" altLang="en-US" dirty="0" smtClean="0">
                 <a:ea typeface="微軟正黑體" panose="020B0604030504040204" pitchFamily="34" charset="-120"/>
               </a:rPr>
-              <a:t>提供</a:t>
+              <a:t>資料處理：</a:t>
+            </a:r>
+            <a:r>
+              <a:rPr lang="en-US" altLang="zh-TW" dirty="0" err="1" smtClean="0">
+                <a:ea typeface="微軟正黑體" panose="020B0604030504040204" pitchFamily="34" charset="-120"/>
+              </a:rPr>
+              <a:t>BigQuery</a:t>
+            </a:r>
+            <a:r>
+              <a:rPr lang="zh-TW" altLang="en-US" dirty="0" smtClean="0">
+                <a:ea typeface="微軟正黑體" panose="020B0604030504040204" pitchFamily="34" charset="-120"/>
+              </a:rPr>
+              <a:t>、或</a:t>
             </a:r>
             <a:r>
               <a:rPr lang="en-US" altLang="zh-TW" dirty="0" smtClean="0">
                 <a:ea typeface="微軟正黑體" panose="020B0604030504040204" pitchFamily="34" charset="-120"/>
               </a:rPr>
-              <a:t>PaaS</a:t>
+              <a:t>Hadoop</a:t>
             </a:r>
             <a:r>
               <a:rPr lang="zh-TW" altLang="en-US" dirty="0" smtClean="0">
                 <a:ea typeface="微軟正黑體" panose="020B0604030504040204" pitchFamily="34" charset="-120"/>
               </a:rPr>
-              <a:t>服務</a:t>
+              <a:t>等</a:t>
             </a:r>
             <a:endParaRPr lang="en-US" altLang="zh-TW" dirty="0">
               <a:ea typeface="微軟正黑體" panose="020B0604030504040204" pitchFamily="34" charset="-120"/>
             </a:endParaRPr>
           </a:p>
           <a:p>
-            <a:pPr lvl="1"/>
-            <a:r>
-              <a:rPr lang="en-US" altLang="zh-TW" u="sng" dirty="0">
+            <a:endParaRPr lang="en-US" altLang="zh-TW" sz="1800" dirty="0">
+              <a:ea typeface="微軟正黑體" panose="020B0604030504040204" pitchFamily="34" charset="-120"/>
+            </a:endParaRPr>
+          </a:p>
+          <a:p>
+            <a:r>
+              <a:rPr lang="en-US" altLang="zh-TW" dirty="0" smtClean="0">
                 <a:ea typeface="微軟正黑體" panose="020B0604030504040204" pitchFamily="34" charset="-120"/>
               </a:rPr>
-              <a:t>Compute </a:t>
-            </a:r>
-            <a:r>
-              <a:rPr lang="en-US" altLang="zh-TW" u="sng" dirty="0" smtClean="0">
-                <a:ea typeface="微軟正黑體" panose="020B0604030504040204" pitchFamily="34" charset="-120"/>
-              </a:rPr>
-              <a:t>Engine</a:t>
+              <a:t>GAE</a:t>
             </a:r>
             <a:r>
               <a:rPr lang="zh-TW" altLang="en-US" dirty="0" smtClean="0">
                 <a:ea typeface="微軟正黑體" panose="020B0604030504040204" pitchFamily="34" charset="-120"/>
               </a:rPr>
-              <a:t>提供</a:t>
-            </a:r>
-            <a:r>
-              <a:rPr lang="en-US" altLang="zh-TW" dirty="0" smtClean="0">
-                <a:ea typeface="微軟正黑體" panose="020B0604030504040204" pitchFamily="34" charset="-120"/>
-              </a:rPr>
-              <a:t>IaaS</a:t>
-            </a:r>
-            <a:r>
-              <a:rPr lang="zh-TW" altLang="en-US" dirty="0" smtClean="0">
-                <a:ea typeface="微軟正黑體" panose="020B0604030504040204" pitchFamily="34" charset="-120"/>
-              </a:rPr>
-              <a:t>服務</a:t>
-            </a:r>
-            <a:endParaRPr lang="pt-BR" altLang="zh-TW" dirty="0" smtClean="0">
-              <a:ea typeface="微軟正黑體" panose="020B0604030504040204" pitchFamily="34" charset="-120"/>
-            </a:endParaRPr>
-          </a:p>
-          <a:p>
-            <a:pPr lvl="1"/>
-            <a:r>
-              <a:rPr lang="pt-BR" altLang="zh-TW" u="sng" dirty="0" smtClean="0">
-                <a:ea typeface="微軟正黑體" panose="020B0604030504040204" pitchFamily="34" charset="-120"/>
-              </a:rPr>
-              <a:t>Container Engine</a:t>
-            </a:r>
-            <a:r>
-              <a:rPr lang="zh-TW" altLang="en-US" dirty="0" smtClean="0">
-                <a:ea typeface="微軟正黑體" panose="020B0604030504040204" pitchFamily="34" charset="-120"/>
-              </a:rPr>
-              <a:t>允許</a:t>
-            </a:r>
-            <a:r>
-              <a:rPr lang="en-US" altLang="zh-TW" dirty="0" smtClean="0">
-                <a:ea typeface="微軟正黑體" panose="020B0604030504040204" pitchFamily="34" charset="-120"/>
-              </a:rPr>
-              <a:t>Docker</a:t>
-            </a:r>
-            <a:r>
-              <a:rPr lang="zh-TW" altLang="en-US" dirty="0" smtClean="0">
-                <a:ea typeface="微軟正黑體" panose="020B0604030504040204" pitchFamily="34" charset="-120"/>
-              </a:rPr>
-              <a:t>容器</a:t>
-            </a:r>
-            <a:r>
-              <a:rPr lang="en-US" altLang="zh-TW" dirty="0"/>
-              <a:t>(</a:t>
-            </a:r>
-            <a:r>
-              <a:rPr lang="zh-TW" altLang="en-US" dirty="0"/>
-              <a:t>輕</a:t>
-            </a:r>
-            <a:r>
-              <a:rPr lang="zh-TW" altLang="en-US" dirty="0" smtClean="0"/>
-              <a:t>量化虛擬</a:t>
-            </a:r>
-            <a:r>
-              <a:rPr lang="zh-TW" altLang="en-US" dirty="0" smtClean="0"/>
-              <a:t>技術</a:t>
-            </a:r>
-            <a:r>
-              <a:rPr lang="en-US" altLang="zh-TW" dirty="0" smtClean="0"/>
-              <a:t>)</a:t>
-            </a:r>
-            <a:r>
-              <a:rPr lang="zh-TW" altLang="en-US" dirty="0" smtClean="0"/>
-              <a:t>在</a:t>
-            </a:r>
-            <a:r>
-              <a:rPr lang="en-US" altLang="zh-TW" dirty="0" smtClean="0">
-                <a:ea typeface="微軟正黑體" panose="020B0604030504040204" pitchFamily="34" charset="-120"/>
-              </a:rPr>
-              <a:t>GCP</a:t>
-            </a:r>
-            <a:r>
-              <a:rPr lang="zh-TW" altLang="en-US" dirty="0" smtClean="0">
-                <a:ea typeface="微軟正黑體" panose="020B0604030504040204" pitchFamily="34" charset="-120"/>
-              </a:rPr>
-              <a:t>上</a:t>
-            </a:r>
-            <a:r>
-              <a:rPr lang="zh-TW" altLang="en-US" dirty="0" smtClean="0">
-                <a:ea typeface="微軟正黑體" panose="020B0604030504040204" pitchFamily="34" charset="-120"/>
-              </a:rPr>
-              <a:t>執行</a:t>
-            </a:r>
-            <a:endParaRPr lang="pt-BR" altLang="zh-TW" dirty="0">
-              <a:ea typeface="微軟正黑體" panose="020B0604030504040204" pitchFamily="34" charset="-120"/>
-            </a:endParaRPr>
-          </a:p>
-          <a:p>
-            <a:pPr lvl="1"/>
-            <a:r>
-              <a:rPr lang="zh-TW" altLang="en-US" dirty="0" smtClean="0">
-                <a:ea typeface="微軟正黑體" panose="020B0604030504040204" pitchFamily="34" charset="-120"/>
-              </a:rPr>
-              <a:t>其他</a:t>
-            </a:r>
-            <a:r>
-              <a:rPr lang="zh-TW" altLang="en-US" dirty="0" smtClean="0">
-                <a:ea typeface="微軟正黑體" panose="020B0604030504040204" pitchFamily="34" charset="-120"/>
-              </a:rPr>
-              <a:t>服務，包含</a:t>
-            </a:r>
-            <a:endParaRPr lang="en-US" altLang="zh-TW" dirty="0" smtClean="0">
-              <a:ea typeface="微軟正黑體" panose="020B0604030504040204" pitchFamily="34" charset="-120"/>
-            </a:endParaRPr>
-          </a:p>
-          <a:p>
-            <a:pPr lvl="2"/>
-            <a:r>
-              <a:rPr lang="zh-TW" altLang="en-US" dirty="0" smtClean="0"/>
-              <a:t>資料</a:t>
-            </a:r>
-            <a:r>
-              <a:rPr lang="zh-TW" altLang="en-US" dirty="0" smtClean="0"/>
-              <a:t>儲存：</a:t>
-            </a:r>
-            <a:r>
-              <a:rPr lang="en-US" altLang="zh-TW" dirty="0" smtClean="0">
-                <a:ea typeface="微軟正黑體" panose="020B0604030504040204" pitchFamily="34" charset="-120"/>
-              </a:rPr>
-              <a:t>Cloud SQL</a:t>
-            </a:r>
-            <a:r>
-              <a:rPr lang="zh-TW" altLang="en-US" dirty="0" smtClean="0">
-                <a:ea typeface="微軟正黑體" panose="020B0604030504040204" pitchFamily="34" charset="-120"/>
-              </a:rPr>
-              <a:t>、</a:t>
-            </a:r>
-            <a:r>
-              <a:rPr lang="en-US" altLang="zh-TW" dirty="0" smtClean="0">
-                <a:ea typeface="微軟正黑體" panose="020B0604030504040204" pitchFamily="34" charset="-120"/>
-              </a:rPr>
-              <a:t>Cloud Storage</a:t>
-            </a:r>
-            <a:r>
-              <a:rPr lang="zh-TW" altLang="en-US" dirty="0" smtClean="0">
-                <a:ea typeface="微軟正黑體" panose="020B0604030504040204" pitchFamily="34" charset="-120"/>
-              </a:rPr>
-              <a:t>、</a:t>
-            </a:r>
-            <a:r>
-              <a:rPr lang="en-US" altLang="zh-TW" dirty="0" smtClean="0">
-                <a:ea typeface="微軟正黑體" panose="020B0604030504040204" pitchFamily="34" charset="-120"/>
-              </a:rPr>
-              <a:t>Blob</a:t>
-            </a:r>
-            <a:r>
-              <a:rPr lang="zh-TW" altLang="en-US" dirty="0" smtClean="0">
-                <a:ea typeface="微軟正黑體" panose="020B0604030504040204" pitchFamily="34" charset="-120"/>
-              </a:rPr>
-              <a:t>、或</a:t>
-            </a:r>
-            <a:r>
-              <a:rPr lang="en-US" altLang="zh-TW" dirty="0" smtClean="0">
-                <a:ea typeface="微軟正黑體" panose="020B0604030504040204" pitchFamily="34" charset="-120"/>
-              </a:rPr>
-              <a:t>Cloud </a:t>
-            </a:r>
-            <a:r>
-              <a:rPr lang="en-US" altLang="zh-TW" dirty="0" err="1" smtClean="0">
-                <a:ea typeface="微軟正黑體" panose="020B0604030504040204" pitchFamily="34" charset="-120"/>
-              </a:rPr>
-              <a:t>Datastore</a:t>
-            </a:r>
-            <a:r>
-              <a:rPr lang="zh-TW" altLang="en-US" dirty="0" smtClean="0">
-                <a:ea typeface="微軟正黑體" panose="020B0604030504040204" pitchFamily="34" charset="-120"/>
-              </a:rPr>
-              <a:t>等</a:t>
-            </a:r>
-            <a:endParaRPr lang="en-US" altLang="zh-TW" dirty="0">
-              <a:ea typeface="微軟正黑體" panose="020B0604030504040204" pitchFamily="34" charset="-120"/>
-            </a:endParaRPr>
-          </a:p>
-          <a:p>
-            <a:pPr lvl="2"/>
-            <a:r>
-              <a:rPr lang="zh-TW" altLang="en-US" dirty="0" smtClean="0">
-                <a:ea typeface="微軟正黑體" panose="020B0604030504040204" pitchFamily="34" charset="-120"/>
-              </a:rPr>
-              <a:t>資料處理：</a:t>
-            </a:r>
-            <a:r>
-              <a:rPr lang="en-US" altLang="zh-TW" dirty="0" err="1" smtClean="0">
-                <a:ea typeface="微軟正黑體" panose="020B0604030504040204" pitchFamily="34" charset="-120"/>
-              </a:rPr>
-              <a:t>BigQuery</a:t>
-            </a:r>
-            <a:r>
-              <a:rPr lang="zh-TW" altLang="en-US" dirty="0" smtClean="0">
-                <a:ea typeface="微軟正黑體" panose="020B0604030504040204" pitchFamily="34" charset="-120"/>
-              </a:rPr>
-              <a:t>、</a:t>
-            </a:r>
-            <a:r>
-              <a:rPr lang="zh-TW" altLang="en-US" dirty="0" smtClean="0">
-                <a:ea typeface="微軟正黑體" panose="020B0604030504040204" pitchFamily="34" charset="-120"/>
-              </a:rPr>
-              <a:t>或</a:t>
-            </a:r>
-            <a:r>
-              <a:rPr lang="en-US" altLang="zh-TW" dirty="0" smtClean="0">
-                <a:ea typeface="微軟正黑體" panose="020B0604030504040204" pitchFamily="34" charset="-120"/>
-              </a:rPr>
-              <a:t>Hadoop</a:t>
-            </a:r>
-            <a:r>
-              <a:rPr lang="zh-TW" altLang="en-US" dirty="0" smtClean="0">
-                <a:ea typeface="微軟正黑體" panose="020B0604030504040204" pitchFamily="34" charset="-120"/>
-              </a:rPr>
-              <a:t>等</a:t>
-            </a:r>
-            <a:endParaRPr lang="en-US" altLang="zh-TW" dirty="0">
-              <a:ea typeface="微軟正黑體" panose="020B0604030504040204" pitchFamily="34" charset="-120"/>
-            </a:endParaRPr>
-          </a:p>
-          <a:p>
-            <a:endParaRPr lang="en-US" altLang="zh-TW" sz="1800" dirty="0">
-              <a:ea typeface="微軟正黑體" panose="020B0604030504040204" pitchFamily="34" charset="-120"/>
-            </a:endParaRPr>
-          </a:p>
-          <a:p>
-            <a:r>
-              <a:rPr lang="en-US" altLang="zh-TW" dirty="0" smtClean="0">
-                <a:ea typeface="微軟正黑體" panose="020B0604030504040204" pitchFamily="34" charset="-120"/>
-              </a:rPr>
-              <a:t>GAE</a:t>
-            </a:r>
-            <a:r>
-              <a:rPr lang="zh-TW" altLang="en-US" dirty="0" smtClean="0">
-                <a:ea typeface="微軟正黑體" panose="020B0604030504040204" pitchFamily="34" charset="-120"/>
-              </a:rPr>
-              <a:t>支援</a:t>
-            </a:r>
-            <a:r>
-              <a:rPr lang="zh-TW" altLang="en-US" dirty="0" smtClean="0">
-                <a:ea typeface="微軟正黑體" panose="020B0604030504040204" pitchFamily="34" charset="-120"/>
-              </a:rPr>
-              <a:t>的程式語言</a:t>
+              <a:t>支援的程式語言</a:t>
             </a:r>
             <a:endParaRPr lang="zh-TW" altLang="en-US" dirty="0">
               <a:ea typeface="微軟正黑體" panose="020B0604030504040204" pitchFamily="34" charset="-120"/>
@@ -22721,34 +22603,7 @@
                 </a:solidFill>
                 <a:ea typeface="微軟正黑體" panose="020B0604030504040204" pitchFamily="34" charset="-120"/>
               </a:rPr>
-              <a:t> </a:t>
-            </a:r>
-            <a:r>
-              <a:rPr lang="zh-TW" altLang="en-US" b="1" dirty="0" smtClean="0">
-                <a:solidFill>
-                  <a:srgbClr val="FF0000"/>
-                </a:solidFill>
-                <a:ea typeface="微軟正黑體" panose="020B0604030504040204" pitchFamily="34" charset="-120"/>
-              </a:rPr>
-              <a:t>不同的程式</a:t>
-            </a:r>
-            <a:r>
-              <a:rPr lang="zh-TW" altLang="en-US" b="1" dirty="0" smtClean="0">
-                <a:solidFill>
-                  <a:srgbClr val="FF0000"/>
-                </a:solidFill>
-                <a:ea typeface="微軟正黑體" panose="020B0604030504040204" pitchFamily="34" charset="-120"/>
-              </a:rPr>
-              <a:t>語言可能提供</a:t>
-            </a:r>
-            <a:r>
-              <a:rPr lang="zh-TW" altLang="en-US" b="1" dirty="0" smtClean="0">
-                <a:solidFill>
-                  <a:srgbClr val="FF0000"/>
-                </a:solidFill>
-                <a:ea typeface="微軟正黑體" panose="020B0604030504040204" pitchFamily="34" charset="-120"/>
-              </a:rPr>
-              <a:t>不同的功能</a:t>
+              <a:t> 不同的程式語言可能提供不同的功能</a:t>
             </a:r>
             <a:r>
               <a:rPr lang="zh-TW" altLang="en-US" b="1" dirty="0">
@@ -22926,11 +22781,7 @@
             <a:pPr lvl="1"/>
             <a:r>
               <a:rPr lang="zh-TW" altLang="en-US" dirty="0" smtClean="0"/>
-              <a:t>可以直接</a:t>
-            </a:r>
-            <a:r>
-              <a:rPr lang="zh-TW" altLang="en-US" dirty="0" smtClean="0"/>
-              <a:t>整</a:t>
+              <a:t>可以直接整</a:t>
             </a:r>
             <a:r>
               <a:rPr lang="zh-TW" altLang="en-US" dirty="0"/>
@@ -22942,11 +22793,7 @@
             </a:r>
             <a:r>
               <a:rPr lang="zh-TW" altLang="en-US" dirty="0" smtClean="0"/>
-              <a:t>其他</a:t>
-            </a:r>
-            <a:r>
-              <a:rPr lang="zh-TW" altLang="en-US" dirty="0" smtClean="0"/>
-              <a:t>雲端服務</a:t>
+              <a:t>其他雲端服務</a:t>
             </a:r>
             <a:r>
               <a:rPr lang="en-US" altLang="zh-TW" dirty="0" smtClean="0"/>
@@ -22958,11 +22805,7 @@
             </a:r>
             <a:r>
               <a:rPr lang="en-US" altLang="zh-TW" dirty="0" smtClean="0"/>
-              <a:t>API</a:t>
-            </a:r>
-            <a:r>
-              <a:rPr lang="en-US" altLang="zh-TW" dirty="0" smtClean="0"/>
-              <a:t>)</a:t>
+              <a:t>API)</a:t>
             </a:r>
             <a:endParaRPr lang="en-US" altLang="zh-TW" dirty="0"/>
           </a:p>
@@ -23336,11 +23179,7 @@
           <a:p>
             <a:r>
               <a:rPr lang="zh-TW" altLang="en-US" i="1" dirty="0" smtClean="0"/>
-              <a:t>*雲端</a:t>
-            </a:r>
-            <a:r>
-              <a:rPr lang="zh-TW" altLang="en-US" i="1" dirty="0" smtClean="0"/>
-              <a:t>開發：</a:t>
+              <a:t>*雲端開發：</a:t>
             </a:r>
             <a:r>
               <a:rPr lang="zh-TW" altLang="en-US" dirty="0" smtClean="0"/>
